--- a/figures/virt_storage.pptx
+++ b/figures/virt_storage.pptx
@@ -104,6 +104,11 @@
       </a:defRPr>
     </a:lvl9pPr>
   </p:defaultTextStyle>
+  <p:extLst>
+    <p:ext uri="{EFAFB233-063F-42B5-8137-9DF3F51BA10A}">
+      <p15:sldGuideLst xmlns:p15="http://schemas.microsoft.com/office/powerpoint/2012/main"/>
+    </p:ext>
+  </p:extLst>
 </p:presentation>
 </file>
 
@@ -254,7 +259,7 @@
           <a:p>
             <a:fld id="{1037B0BB-3E8A-4378-B809-72D9D65DBCD8}" type="datetimeFigureOut">
               <a:rPr lang="en-US" smtClean="0"/>
-              <a:t>4/18/2019</a:t>
+              <a:t>5/28/19</a:t>
             </a:fld>
             <a:endParaRPr lang="en-US"/>
           </a:p>
@@ -452,7 +457,7 @@
           <a:p>
             <a:fld id="{1037B0BB-3E8A-4378-B809-72D9D65DBCD8}" type="datetimeFigureOut">
               <a:rPr lang="en-US" smtClean="0"/>
-              <a:t>4/18/2019</a:t>
+              <a:t>5/28/19</a:t>
             </a:fld>
             <a:endParaRPr lang="en-US"/>
           </a:p>
@@ -660,7 +665,7 @@
           <a:p>
             <a:fld id="{1037B0BB-3E8A-4378-B809-72D9D65DBCD8}" type="datetimeFigureOut">
               <a:rPr lang="en-US" smtClean="0"/>
-              <a:t>4/18/2019</a:t>
+              <a:t>5/28/19</a:t>
             </a:fld>
             <a:endParaRPr lang="en-US"/>
           </a:p>
@@ -858,7 +863,7 @@
           <a:p>
             <a:fld id="{1037B0BB-3E8A-4378-B809-72D9D65DBCD8}" type="datetimeFigureOut">
               <a:rPr lang="en-US" smtClean="0"/>
-              <a:t>4/18/2019</a:t>
+              <a:t>5/28/19</a:t>
             </a:fld>
             <a:endParaRPr lang="en-US"/>
           </a:p>
@@ -1133,7 +1138,7 @@
           <a:p>
             <a:fld id="{1037B0BB-3E8A-4378-B809-72D9D65DBCD8}" type="datetimeFigureOut">
               <a:rPr lang="en-US" smtClean="0"/>
-              <a:t>4/18/2019</a:t>
+              <a:t>5/28/19</a:t>
             </a:fld>
             <a:endParaRPr lang="en-US"/>
           </a:p>
@@ -1398,7 +1403,7 @@
           <a:p>
             <a:fld id="{1037B0BB-3E8A-4378-B809-72D9D65DBCD8}" type="datetimeFigureOut">
               <a:rPr lang="en-US" smtClean="0"/>
-              <a:t>4/18/2019</a:t>
+              <a:t>5/28/19</a:t>
             </a:fld>
             <a:endParaRPr lang="en-US"/>
           </a:p>
@@ -1810,7 +1815,7 @@
           <a:p>
             <a:fld id="{1037B0BB-3E8A-4378-B809-72D9D65DBCD8}" type="datetimeFigureOut">
               <a:rPr lang="en-US" smtClean="0"/>
-              <a:t>4/18/2019</a:t>
+              <a:t>5/28/19</a:t>
             </a:fld>
             <a:endParaRPr lang="en-US"/>
           </a:p>
@@ -1951,7 +1956,7 @@
           <a:p>
             <a:fld id="{1037B0BB-3E8A-4378-B809-72D9D65DBCD8}" type="datetimeFigureOut">
               <a:rPr lang="en-US" smtClean="0"/>
-              <a:t>4/18/2019</a:t>
+              <a:t>5/28/19</a:t>
             </a:fld>
             <a:endParaRPr lang="en-US"/>
           </a:p>
@@ -2064,7 +2069,7 @@
           <a:p>
             <a:fld id="{1037B0BB-3E8A-4378-B809-72D9D65DBCD8}" type="datetimeFigureOut">
               <a:rPr lang="en-US" smtClean="0"/>
-              <a:t>4/18/2019</a:t>
+              <a:t>5/28/19</a:t>
             </a:fld>
             <a:endParaRPr lang="en-US"/>
           </a:p>
@@ -2375,7 +2380,7 @@
           <a:p>
             <a:fld id="{1037B0BB-3E8A-4378-B809-72D9D65DBCD8}" type="datetimeFigureOut">
               <a:rPr lang="en-US" smtClean="0"/>
-              <a:t>4/18/2019</a:t>
+              <a:t>5/28/19</a:t>
             </a:fld>
             <a:endParaRPr lang="en-US"/>
           </a:p>
@@ -2663,7 +2668,7 @@
           <a:p>
             <a:fld id="{1037B0BB-3E8A-4378-B809-72D9D65DBCD8}" type="datetimeFigureOut">
               <a:rPr lang="en-US" smtClean="0"/>
-              <a:t>4/18/2019</a:t>
+              <a:t>5/28/19</a:t>
             </a:fld>
             <a:endParaRPr lang="en-US"/>
           </a:p>
@@ -2904,7 +2909,7 @@
           <a:p>
             <a:fld id="{1037B0BB-3E8A-4378-B809-72D9D65DBCD8}" type="datetimeFigureOut">
               <a:rPr lang="en-US" smtClean="0"/>
-              <a:t>4/18/2019</a:t>
+              <a:t>5/28/19</a:t>
             </a:fld>
             <a:endParaRPr lang="en-US"/>
           </a:p>
@@ -5398,10 +5403,18 @@
           <a:prstGeom prst="rect">
             <a:avLst/>
           </a:prstGeom>
-          <a:solidFill>
-            <a:srgbClr val="C00000"/>
-          </a:solidFill>
+          <a:pattFill prst="wdDnDiag">
+            <a:fgClr>
+              <a:srgbClr val="C00000"/>
+            </a:fgClr>
+            <a:bgClr>
+              <a:schemeClr val="bg1"/>
+            </a:bgClr>
+          </a:pattFill>
           <a:ln>
+            <a:solidFill>
+              <a:srgbClr val="C00000"/>
+            </a:solidFill>
             <a:headEnd type="none" w="med" len="med"/>
             <a:tailEnd type="none" w="med" len="med"/>
           </a:ln>
@@ -5443,9 +5456,9 @@
               </a:spcAft>
             </a:pPr>
             <a:r>
-              <a:rPr kumimoji="1" lang="zh-CN" altLang="en-US" sz="1400" dirty="0">
+              <a:rPr kumimoji="1" lang="zh-CN" altLang="en-US" sz="1400" b="1" dirty="0">
                 <a:solidFill>
-                  <a:schemeClr val="bg1"/>
+                  <a:schemeClr val="tx1"/>
                 </a:solidFill>
                 <a:ea typeface="Segoe UI" pitchFamily="34" charset="0"/>
                 <a:cs typeface="Segoe UI" pitchFamily="34" charset="0"/>
@@ -5475,10 +5488,18 @@
           <a:prstGeom prst="rect">
             <a:avLst/>
           </a:prstGeom>
-          <a:solidFill>
-            <a:srgbClr val="C00000"/>
-          </a:solidFill>
+          <a:pattFill prst="wdDnDiag">
+            <a:fgClr>
+              <a:srgbClr val="C00000"/>
+            </a:fgClr>
+            <a:bgClr>
+              <a:schemeClr val="bg1"/>
+            </a:bgClr>
+          </a:pattFill>
           <a:ln>
+            <a:solidFill>
+              <a:srgbClr val="C00000"/>
+            </a:solidFill>
             <a:headEnd type="none" w="med" len="med"/>
             <a:tailEnd type="none" w="med" len="med"/>
           </a:ln>
@@ -5520,9 +5541,9 @@
               </a:spcAft>
             </a:pPr>
             <a:r>
-              <a:rPr kumimoji="1" lang="zh-CN" altLang="en-US" sz="1400" dirty="0">
+              <a:rPr kumimoji="1" lang="zh-CN" altLang="en-US" sz="1400" b="1" dirty="0">
                 <a:solidFill>
-                  <a:schemeClr val="bg1"/>
+                  <a:schemeClr val="tx1"/>
                 </a:solidFill>
                 <a:ea typeface="Segoe UI" pitchFamily="34" charset="0"/>
                 <a:cs typeface="Segoe UI" pitchFamily="34" charset="0"/>
@@ -5552,7 +5573,20 @@
           <a:prstGeom prst="rect">
             <a:avLst/>
           </a:prstGeom>
+          <a:pattFill prst="pct50">
+            <a:fgClr>
+              <a:schemeClr val="bg2">
+                <a:lumMod val="90000"/>
+              </a:schemeClr>
+            </a:fgClr>
+            <a:bgClr>
+              <a:schemeClr val="bg1"/>
+            </a:bgClr>
+          </a:pattFill>
           <a:ln>
+            <a:solidFill>
+              <a:schemeClr val="tx1"/>
+            </a:solidFill>
             <a:headEnd type="none" w="med" len="med"/>
             <a:tailEnd type="none" w="med" len="med"/>
           </a:ln>
@@ -5596,7 +5630,7 @@
             <a:r>
               <a:rPr kumimoji="1" lang="zh-CN" altLang="en-US" sz="1400" dirty="0">
                 <a:solidFill>
-                  <a:schemeClr val="bg1"/>
+                  <a:schemeClr val="tx1"/>
                 </a:solidFill>
                 <a:ea typeface="Segoe UI" pitchFamily="34" charset="0"/>
                 <a:cs typeface="Segoe UI" pitchFamily="34" charset="0"/>
@@ -6060,7 +6094,20 @@
           <a:prstGeom prst="rect">
             <a:avLst/>
           </a:prstGeom>
+          <a:pattFill prst="pct50">
+            <a:fgClr>
+              <a:schemeClr val="bg2">
+                <a:lumMod val="90000"/>
+              </a:schemeClr>
+            </a:fgClr>
+            <a:bgClr>
+              <a:schemeClr val="bg1"/>
+            </a:bgClr>
+          </a:pattFill>
           <a:ln>
+            <a:solidFill>
+              <a:schemeClr val="tx1"/>
+            </a:solidFill>
             <a:headEnd type="none" w="med" len="med"/>
             <a:tailEnd type="none" w="med" len="med"/>
           </a:ln>
@@ -6104,7 +6151,7 @@
             <a:r>
               <a:rPr kumimoji="1" lang="zh-CN" altLang="en-US" sz="1400" dirty="0">
                 <a:solidFill>
-                  <a:schemeClr val="bg1"/>
+                  <a:schemeClr val="tx1"/>
                 </a:solidFill>
                 <a:ea typeface="Segoe UI" pitchFamily="34" charset="0"/>
                 <a:cs typeface="Segoe UI" pitchFamily="34" charset="0"/>
@@ -6134,7 +6181,20 @@
           <a:prstGeom prst="rect">
             <a:avLst/>
           </a:prstGeom>
+          <a:pattFill prst="pct50">
+            <a:fgClr>
+              <a:schemeClr val="bg2">
+                <a:lumMod val="90000"/>
+              </a:schemeClr>
+            </a:fgClr>
+            <a:bgClr>
+              <a:schemeClr val="bg1"/>
+            </a:bgClr>
+          </a:pattFill>
           <a:ln>
+            <a:solidFill>
+              <a:schemeClr val="tx1"/>
+            </a:solidFill>
             <a:headEnd type="none" w="med" len="med"/>
             <a:tailEnd type="none" w="med" len="med"/>
           </a:ln>
@@ -6178,7 +6238,7 @@
             <a:r>
               <a:rPr kumimoji="1" lang="zh-CN" altLang="en-US" sz="1400" dirty="0">
                 <a:solidFill>
-                  <a:schemeClr val="bg1"/>
+                  <a:schemeClr val="tx1"/>
                 </a:solidFill>
                 <a:ea typeface="Segoe UI" pitchFamily="34" charset="0"/>
                 <a:cs typeface="Segoe UI" pitchFamily="34" charset="0"/>
@@ -6326,7 +6386,20 @@
           <a:prstGeom prst="rect">
             <a:avLst/>
           </a:prstGeom>
+          <a:pattFill prst="pct50">
+            <a:fgClr>
+              <a:schemeClr val="bg2">
+                <a:lumMod val="90000"/>
+              </a:schemeClr>
+            </a:fgClr>
+            <a:bgClr>
+              <a:schemeClr val="bg1"/>
+            </a:bgClr>
+          </a:pattFill>
           <a:ln>
+            <a:solidFill>
+              <a:schemeClr val="tx1"/>
+            </a:solidFill>
             <a:headEnd type="none" w="med" len="med"/>
             <a:tailEnd type="none" w="med" len="med"/>
           </a:ln>
@@ -6370,7 +6443,7 @@
             <a:r>
               <a:rPr kumimoji="1" lang="zh-CN" altLang="en-US" sz="1400" dirty="0">
                 <a:solidFill>
-                  <a:schemeClr val="bg1"/>
+                  <a:schemeClr val="tx1"/>
                 </a:solidFill>
                 <a:ea typeface="Segoe UI" pitchFamily="34" charset="0"/>
                 <a:cs typeface="Segoe UI" pitchFamily="34" charset="0"/>
@@ -6555,7 +6628,20 @@
           <a:prstGeom prst="rect">
             <a:avLst/>
           </a:prstGeom>
+          <a:pattFill prst="pct50">
+            <a:fgClr>
+              <a:schemeClr val="bg2">
+                <a:lumMod val="90000"/>
+              </a:schemeClr>
+            </a:fgClr>
+            <a:bgClr>
+              <a:schemeClr val="bg1"/>
+            </a:bgClr>
+          </a:pattFill>
           <a:ln>
+            <a:solidFill>
+              <a:schemeClr val="tx1"/>
+            </a:solidFill>
             <a:headEnd type="none" w="med" len="med"/>
             <a:tailEnd type="none" w="med" len="med"/>
           </a:ln>
@@ -6599,7 +6685,7 @@
             <a:r>
               <a:rPr kumimoji="1" lang="zh-CN" altLang="en-US" sz="1400" dirty="0">
                 <a:solidFill>
-                  <a:schemeClr val="bg1"/>
+                  <a:schemeClr val="tx1"/>
                 </a:solidFill>
                 <a:ea typeface="Segoe UI" pitchFamily="34" charset="0"/>
                 <a:cs typeface="Segoe UI" pitchFamily="34" charset="0"/>
@@ -6784,7 +6870,20 @@
           <a:prstGeom prst="rect">
             <a:avLst/>
           </a:prstGeom>
+          <a:pattFill prst="pct50">
+            <a:fgClr>
+              <a:schemeClr val="bg2">
+                <a:lumMod val="90000"/>
+              </a:schemeClr>
+            </a:fgClr>
+            <a:bgClr>
+              <a:schemeClr val="bg1"/>
+            </a:bgClr>
+          </a:pattFill>
           <a:ln>
+            <a:solidFill>
+              <a:schemeClr val="tx1"/>
+            </a:solidFill>
             <a:headEnd type="none" w="med" len="med"/>
             <a:tailEnd type="none" w="med" len="med"/>
           </a:ln>
@@ -6828,7 +6927,7 @@
             <a:r>
               <a:rPr kumimoji="1" lang="zh-CN" altLang="en-US" sz="1400" dirty="0">
                 <a:solidFill>
-                  <a:schemeClr val="bg1"/>
+                  <a:schemeClr val="tx1"/>
                 </a:solidFill>
                 <a:ea typeface="Segoe UI" pitchFamily="34" charset="0"/>
                 <a:cs typeface="Segoe UI" pitchFamily="34" charset="0"/>
@@ -6941,10 +7040,18 @@
           <a:prstGeom prst="can">
             <a:avLst/>
           </a:prstGeom>
-          <a:solidFill>
-            <a:srgbClr val="C00000"/>
-          </a:solidFill>
+          <a:pattFill prst="wdDnDiag">
+            <a:fgClr>
+              <a:srgbClr val="C00000"/>
+            </a:fgClr>
+            <a:bgClr>
+              <a:schemeClr val="bg1"/>
+            </a:bgClr>
+          </a:pattFill>
           <a:ln>
+            <a:solidFill>
+              <a:srgbClr val="C00000"/>
+            </a:solidFill>
             <a:headEnd type="none" w="med" len="med"/>
             <a:tailEnd type="none" w="med" len="med"/>
           </a:ln>
@@ -6986,89 +7093,49 @@
               </a:spcAft>
             </a:pPr>
             <a:r>
-              <a:rPr kumimoji="1" lang="zh-CN" altLang="en-US" sz="1600" dirty="0">
-                <a:gradFill>
-                  <a:gsLst>
-                    <a:gs pos="0">
-                      <a:srgbClr val="FFFFFF"/>
-                    </a:gs>
-                    <a:gs pos="100000">
-                      <a:srgbClr val="FFFFFF"/>
-                    </a:gs>
-                  </a:gsLst>
-                  <a:lin ang="5400000" scaled="0"/>
-                </a:gradFill>
+              <a:rPr kumimoji="1" lang="zh-CN" altLang="en-US" sz="1600" b="1" dirty="0">
+                <a:solidFill>
+                  <a:schemeClr val="tx1"/>
+                </a:solidFill>
                 <a:ea typeface="Segoe UI" pitchFamily="34" charset="0"/>
                 <a:cs typeface="Segoe UI" pitchFamily="34" charset="0"/>
               </a:rPr>
               <a:t>内存 </a:t>
             </a:r>
             <a:r>
-              <a:rPr kumimoji="1" lang="en-US" altLang="zh-CN" sz="1600" dirty="0">
-                <a:gradFill>
-                  <a:gsLst>
-                    <a:gs pos="0">
-                      <a:srgbClr val="FFFFFF"/>
-                    </a:gs>
-                    <a:gs pos="100000">
-                      <a:srgbClr val="FFFFFF"/>
-                    </a:gs>
-                  </a:gsLst>
-                  <a:lin ang="5400000" scaled="0"/>
-                </a:gradFill>
+              <a:rPr kumimoji="1" lang="en-US" altLang="zh-CN" sz="1600" b="1" dirty="0">
+                <a:solidFill>
+                  <a:schemeClr val="tx1"/>
+                </a:solidFill>
                 <a:ea typeface="Segoe UI" pitchFamily="34" charset="0"/>
                 <a:cs typeface="Segoe UI" pitchFamily="34" charset="0"/>
               </a:rPr>
               <a:t>/</a:t>
             </a:r>
             <a:r>
-              <a:rPr kumimoji="1" lang="zh-CN" altLang="en-US" sz="1600" dirty="0">
-                <a:gradFill>
-                  <a:gsLst>
-                    <a:gs pos="0">
-                      <a:srgbClr val="FFFFFF"/>
-                    </a:gs>
-                    <a:gs pos="100000">
-                      <a:srgbClr val="FFFFFF"/>
-                    </a:gs>
-                  </a:gsLst>
-                  <a:lin ang="5400000" scaled="0"/>
-                </a:gradFill>
+              <a:rPr kumimoji="1" lang="zh-CN" altLang="en-US" sz="1600" b="1" dirty="0">
+                <a:solidFill>
+                  <a:schemeClr val="tx1"/>
+                </a:solidFill>
                 <a:ea typeface="Segoe UI" pitchFamily="34" charset="0"/>
                 <a:cs typeface="Segoe UI" pitchFamily="34" charset="0"/>
               </a:rPr>
               <a:t> </a:t>
             </a:r>
             <a:r>
-              <a:rPr kumimoji="1" lang="en-US" altLang="zh-CN" sz="1600" dirty="0">
-                <a:gradFill>
-                  <a:gsLst>
-                    <a:gs pos="0">
-                      <a:srgbClr val="FFFFFF"/>
-                    </a:gs>
-                    <a:gs pos="100000">
-                      <a:srgbClr val="FFFFFF"/>
-                    </a:gs>
-                  </a:gsLst>
-                  <a:lin ang="5400000" scaled="0"/>
-                </a:gradFill>
+              <a:rPr kumimoji="1" lang="en-US" altLang="zh-CN" sz="1600" b="1" dirty="0">
+                <a:solidFill>
+                  <a:schemeClr val="tx1"/>
+                </a:solidFill>
                 <a:ea typeface="Segoe UI" pitchFamily="34" charset="0"/>
                 <a:cs typeface="Segoe UI" pitchFamily="34" charset="0"/>
               </a:rPr>
               <a:t>Flash</a:t>
             </a:r>
-            <a:endParaRPr kumimoji="1" lang="zh-CN" altLang="en-US" sz="1600" dirty="0">
-              <a:gradFill>
-                <a:gsLst>
-                  <a:gs pos="0">
-                    <a:srgbClr val="FFFFFF"/>
-                  </a:gs>
-                  <a:gs pos="100000">
-                    <a:srgbClr val="FFFFFF"/>
-                  </a:gs>
-                </a:gsLst>
-                <a:lin ang="5400000" scaled="0"/>
-              </a:gradFill>
+            <a:endParaRPr kumimoji="1" lang="zh-CN" altLang="en-US" sz="1600" b="1" dirty="0">
+              <a:solidFill>
+                <a:schemeClr val="tx1"/>
+              </a:solidFill>
               <a:ea typeface="Segoe UI" pitchFamily="34" charset="0"/>
               <a:cs typeface="Segoe UI" pitchFamily="34" charset="0"/>
             </a:endParaRPr>
@@ -7164,7 +7231,20 @@
           <a:prstGeom prst="rect">
             <a:avLst/>
           </a:prstGeom>
+          <a:pattFill prst="pct50">
+            <a:fgClr>
+              <a:schemeClr val="bg2">
+                <a:lumMod val="90000"/>
+              </a:schemeClr>
+            </a:fgClr>
+            <a:bgClr>
+              <a:schemeClr val="bg1"/>
+            </a:bgClr>
+          </a:pattFill>
           <a:ln>
+            <a:solidFill>
+              <a:schemeClr val="tx1"/>
+            </a:solidFill>
             <a:headEnd type="none" w="med" len="med"/>
             <a:tailEnd type="none" w="med" len="med"/>
           </a:ln>
@@ -7208,7 +7288,7 @@
             <a:r>
               <a:rPr kumimoji="1" lang="zh-CN" altLang="en-US" dirty="0">
                 <a:solidFill>
-                  <a:schemeClr val="bg1"/>
+                  <a:schemeClr val="tx1"/>
                 </a:solidFill>
                 <a:ea typeface="Segoe UI" pitchFamily="34" charset="0"/>
                 <a:cs typeface="Segoe UI" pitchFamily="34" charset="0"/>
